--- a/Presentation/Project_Presentation.pptx
+++ b/Presentation/Project_Presentation.pptx
@@ -3218,9 +3218,14 @@
           <a:p>
             <a:r>
               <a:rPr lang="en-US"/>
-              <a:t>Among the tested models, Logistic Regression achieved the highest recall (70%), meaning it identified most potential defaulters, which is the primary goal in loan risk assessment.</a:t>
-            </a:r>
-            <a:endParaRPr lang="en-US" smtClean="0"/>
+              <a:t>Among all tested models, Random Forest achieved the best overall accuracy (77.8%), but Logistic Regression achieved the highest recall (≈70%), providing a solid foundation for identifying high-risk borrowers.</a:t>
+            </a:r>
+          </a:p>
+          <a:p>
+            <a:r>
+              <a:rPr lang="en-US"/>
+              <a:t>Its high recall means the model catches most actual defaulters, making it valuable for minimizing financial losses.</a:t>
+            </a:r>
           </a:p>
         </p:txBody>
       </p:sp>
@@ -3431,7 +3436,7 @@
           <a:p>
             <a:r>
               <a:rPr lang="en-US"/>
-              <a:t>The confusion matrix shows that while some non-defaulters are wrongly flagged, the system successfully detects the majority of risky borrowers.</a:t>
+              <a:t>The confusion matrix shows that our Logistic Regression model performs well in identifying true non-defaulters, with 30,393 correct predictions. However, it also generates false alarms, predicting 14,746 safe borrowers as defaulters. Despite this, the model successfully captures around 70% of actual loan defaulters, which is valuable for minimizing financial risk. The trade-off between precision and recall indicates a risk-aware model that prioritizes catching potential defaulters even at the cost of some false positives.</a:t>
             </a:r>
             <a:endParaRPr lang="en-US" smtClean="0"/>
           </a:p>
@@ -3644,9 +3649,14 @@
           <a:p>
             <a:r>
               <a:rPr lang="en-US"/>
-              <a:t>Top predictors include Interest Rate, Credit Score, and Loan Amount, all directly influencing repayment capability.</a:t>
-            </a:r>
-            <a:endParaRPr lang="en-US" smtClean="0"/>
+              <a:t>The model reveals that financial stability and employment status are the most powerful predictors of loan default.</a:t>
+            </a:r>
+          </a:p>
+          <a:p>
+            <a:r>
+              <a:rPr lang="en-US"/>
+              <a:t>In particular, younger age, unemployment, high interest rates, and shorter employment history increase the risk, while steady income and co-signers reduce it.</a:t>
+            </a:r>
           </a:p>
         </p:txBody>
       </p:sp>
@@ -8433,6 +8443,162 @@
           </a:p>
         </p:txBody>
       </p:sp>
+      <p:sp>
+        <p:nvSpPr>
+          <p:cNvPr name="Freeform 9" id="9"/>
+          <p:cNvSpPr/>
+          <p:nvPr/>
+        </p:nvSpPr>
+        <p:spPr>
+          <a:xfrm flipH="false" flipV="false" rot="0">
+            <a:off x="17514748" y="9347379"/>
+            <a:ext cx="402724" cy="402724"/>
+          </a:xfrm>
+          <a:custGeom>
+            <a:avLst/>
+            <a:gdLst/>
+            <a:ahLst/>
+            <a:cxnLst/>
+            <a:rect r="r" b="b" t="t" l="l"/>
+            <a:pathLst>
+              <a:path h="402724" w="402724">
+                <a:moveTo>
+                  <a:pt x="0" y="0"/>
+                </a:moveTo>
+                <a:lnTo>
+                  <a:pt x="402724" y="0"/>
+                </a:lnTo>
+                <a:lnTo>
+                  <a:pt x="402724" y="402724"/>
+                </a:lnTo>
+                <a:lnTo>
+                  <a:pt x="0" y="402724"/>
+                </a:lnTo>
+                <a:lnTo>
+                  <a:pt x="0" y="0"/>
+                </a:lnTo>
+                <a:close/>
+              </a:path>
+            </a:pathLst>
+          </a:custGeom>
+          <a:blipFill>
+            <a:blip r:embed="rId6">
+              <a:extLst>
+                <a:ext uri="{96DAC541-7B7A-43D3-8B79-37D633B846F1}">
+                  <asvg:svgBlip xmlns:asvg="http://schemas.microsoft.com/office/drawing/2016/SVG/main" r:embed="rId7"/>
+                </a:ext>
+              </a:extLst>
+            </a:blip>
+            <a:stretch>
+              <a:fillRect l="0" t="0" r="0" b="0"/>
+            </a:stretch>
+          </a:blipFill>
+        </p:spPr>
+      </p:sp>
+      <p:sp>
+        <p:nvSpPr>
+          <p:cNvPr name="Freeform 10" id="10"/>
+          <p:cNvSpPr/>
+          <p:nvPr/>
+        </p:nvSpPr>
+        <p:spPr>
+          <a:xfrm flipH="false" flipV="false" rot="0">
+            <a:off x="17009796" y="9347379"/>
+            <a:ext cx="402724" cy="402724"/>
+          </a:xfrm>
+          <a:custGeom>
+            <a:avLst/>
+            <a:gdLst/>
+            <a:ahLst/>
+            <a:cxnLst/>
+            <a:rect r="r" b="b" t="t" l="l"/>
+            <a:pathLst>
+              <a:path h="402724" w="402724">
+                <a:moveTo>
+                  <a:pt x="0" y="0"/>
+                </a:moveTo>
+                <a:lnTo>
+                  <a:pt x="402725" y="0"/>
+                </a:lnTo>
+                <a:lnTo>
+                  <a:pt x="402725" y="402724"/>
+                </a:lnTo>
+                <a:lnTo>
+                  <a:pt x="0" y="402724"/>
+                </a:lnTo>
+                <a:lnTo>
+                  <a:pt x="0" y="0"/>
+                </a:lnTo>
+                <a:close/>
+              </a:path>
+            </a:pathLst>
+          </a:custGeom>
+          <a:blipFill>
+            <a:blip r:embed="rId8">
+              <a:extLst>
+                <a:ext uri="{96DAC541-7B7A-43D3-8B79-37D633B846F1}">
+                  <asvg:svgBlip xmlns:asvg="http://schemas.microsoft.com/office/drawing/2016/SVG/main" r:embed="rId9"/>
+                </a:ext>
+              </a:extLst>
+            </a:blip>
+            <a:stretch>
+              <a:fillRect l="0" t="0" r="0" b="0"/>
+            </a:stretch>
+          </a:blipFill>
+        </p:spPr>
+      </p:sp>
+      <p:sp>
+        <p:nvSpPr>
+          <p:cNvPr name="Freeform 11" id="11"/>
+          <p:cNvSpPr/>
+          <p:nvPr/>
+        </p:nvSpPr>
+        <p:spPr>
+          <a:xfrm flipH="false" flipV="false" rot="0">
+            <a:off x="16505878" y="9347379"/>
+            <a:ext cx="402724" cy="402724"/>
+          </a:xfrm>
+          <a:custGeom>
+            <a:avLst/>
+            <a:gdLst/>
+            <a:ahLst/>
+            <a:cxnLst/>
+            <a:rect r="r" b="b" t="t" l="l"/>
+            <a:pathLst>
+              <a:path h="402724" w="402724">
+                <a:moveTo>
+                  <a:pt x="0" y="0"/>
+                </a:moveTo>
+                <a:lnTo>
+                  <a:pt x="402724" y="0"/>
+                </a:lnTo>
+                <a:lnTo>
+                  <a:pt x="402724" y="402724"/>
+                </a:lnTo>
+                <a:lnTo>
+                  <a:pt x="0" y="402724"/>
+                </a:lnTo>
+                <a:lnTo>
+                  <a:pt x="0" y="0"/>
+                </a:lnTo>
+                <a:close/>
+              </a:path>
+            </a:pathLst>
+          </a:custGeom>
+          <a:blipFill>
+            <a:blip r:embed="rId10">
+              <a:extLst>
+                <a:ext uri="{96DAC541-7B7A-43D3-8B79-37D633B846F1}">
+                  <asvg:svgBlip xmlns:asvg="http://schemas.microsoft.com/office/drawing/2016/SVG/main" r:embed="rId11"/>
+                </a:ext>
+              </a:extLst>
+            </a:blip>
+            <a:stretch>
+              <a:fillRect l="0" t="0" r="0" b="0"/>
+            </a:stretch>
+          </a:blipFill>
+        </p:spPr>
+      </p:sp>
     </p:spTree>
   </p:cSld>
   <p:clrMapOvr>
@@ -14984,8 +15150,8 @@
         </p:nvSpPr>
         <p:spPr>
           <a:xfrm flipH="false" flipV="false" rot="0">
-            <a:off x="9796174" y="3450241"/>
-            <a:ext cx="8183358" cy="3142291"/>
+            <a:off x="9840319" y="3993340"/>
+            <a:ext cx="8333381" cy="2490821"/>
           </a:xfrm>
           <a:custGeom>
             <a:avLst/>
@@ -14994,18 +15160,18 @@
             <a:cxnLst/>
             <a:rect r="r" b="b" t="t" l="l"/>
             <a:pathLst>
-              <a:path h="3142291" w="8183358">
+              <a:path h="2490821" w="8333381">
                 <a:moveTo>
                   <a:pt x="0" y="0"/>
                 </a:moveTo>
                 <a:lnTo>
-                  <a:pt x="8183358" y="0"/>
-                </a:lnTo>
-                <a:lnTo>
-                  <a:pt x="8183358" y="3142292"/>
-                </a:lnTo>
-                <a:lnTo>
-                  <a:pt x="0" y="3142292"/>
+                  <a:pt x="8333381" y="0"/>
+                </a:lnTo>
+                <a:lnTo>
+                  <a:pt x="8333381" y="2490820"/>
+                </a:lnTo>
+                <a:lnTo>
+                  <a:pt x="0" y="2490820"/>
                 </a:lnTo>
                 <a:lnTo>
                   <a:pt x="0" y="0"/>
@@ -15017,7 +15183,7 @@
           <a:blipFill>
             <a:blip r:embed="rId13"/>
             <a:stretch>
-              <a:fillRect l="0" t="0" r="0" b="-898"/>
+              <a:fillRect l="0" t="0" r="0" b="-9387"/>
             </a:stretch>
           </a:blipFill>
         </p:spPr>
@@ -15030,8 +15196,8 @@
         </p:nvSpPr>
         <p:spPr>
           <a:xfrm rot="0">
-            <a:off x="988463" y="3783220"/>
-            <a:ext cx="8756825" cy="3344564"/>
+            <a:off x="843126" y="3773695"/>
+            <a:ext cx="8756825" cy="3767753"/>
           </a:xfrm>
           <a:prstGeom prst="rect">
             <a:avLst/>
@@ -15125,7 +15291,7 @@
                 <a:cs typeface="Montserrat"/>
                 <a:sym typeface="Montserrat"/>
               </a:rPr>
-              <a:t> → Out of all borrowers the model predicted as “defaulters,” how many actually defaulted.</a:t>
+              <a:t> → Out of predicted defaulters, how many were actually correct?</a:t>
             </a:r>
           </a:p>
           <a:p>
@@ -15211,7 +15377,7 @@
                 <a:cs typeface="Montserrat"/>
                 <a:sym typeface="Montserrat"/>
               </a:rPr>
-              <a:t>→ The balance between precision and recall </a:t>
+              <a:t>→ The balance between precision and recall (risk control indicator).</a:t>
             </a:r>
           </a:p>
           <a:p>
@@ -15231,7 +15397,7 @@
         </p:nvSpPr>
         <p:spPr>
           <a:xfrm rot="0">
-            <a:off x="1384968" y="2341333"/>
+            <a:off x="843126" y="2760410"/>
             <a:ext cx="8651688" cy="847680"/>
           </a:xfrm>
           <a:prstGeom prst="rect">
@@ -15557,8 +15723,8 @@
         </p:nvSpPr>
         <p:spPr>
           <a:xfrm flipH="false" flipV="false" rot="0">
-            <a:off x="4516387" y="2064350"/>
-            <a:ext cx="9255225" cy="6696353"/>
+            <a:off x="1028700" y="1442265"/>
+            <a:ext cx="10285829" cy="7402470"/>
           </a:xfrm>
           <a:custGeom>
             <a:avLst/>
@@ -15567,18 +15733,18 @@
             <a:cxnLst/>
             <a:rect r="r" b="b" t="t" l="l"/>
             <a:pathLst>
-              <a:path h="6696353" w="9255225">
+              <a:path h="7402470" w="10285829">
                 <a:moveTo>
                   <a:pt x="0" y="0"/>
                 </a:moveTo>
                 <a:lnTo>
-                  <a:pt x="9255226" y="0"/>
-                </a:lnTo>
-                <a:lnTo>
-                  <a:pt x="9255226" y="6696353"/>
-                </a:lnTo>
-                <a:lnTo>
-                  <a:pt x="0" y="6696353"/>
+                  <a:pt x="10285829" y="0"/>
+                </a:lnTo>
+                <a:lnTo>
+                  <a:pt x="10285829" y="7402470"/>
+                </a:lnTo>
+                <a:lnTo>
+                  <a:pt x="0" y="7402470"/>
                 </a:lnTo>
                 <a:lnTo>
                   <a:pt x="0" y="0"/>
@@ -15594,6 +15760,144 @@
             </a:stretch>
           </a:blipFill>
         </p:spPr>
+      </p:sp>
+      <p:sp>
+        <p:nvSpPr>
+          <p:cNvPr name="TextBox 8" id="8"/>
+          <p:cNvSpPr txBox="true"/>
+          <p:nvPr/>
+        </p:nvSpPr>
+        <p:spPr>
+          <a:xfrm rot="0">
+            <a:off x="11329676" y="3842206"/>
+            <a:ext cx="6448493" cy="1753105"/>
+          </a:xfrm>
+          <a:prstGeom prst="rect">
+            <a:avLst/>
+          </a:prstGeom>
+        </p:spPr>
+        <p:txBody>
+          <a:bodyPr anchor="t" rtlCol="false" tIns="0" lIns="0" bIns="0" rIns="0">
+            <a:spAutoFit/>
+          </a:bodyPr>
+          <a:lstStyle/>
+          <a:p>
+            <a:pPr algn="just">
+              <a:lnSpc>
+                <a:spcPts val="3561"/>
+              </a:lnSpc>
+            </a:pPr>
+            <a:r>
+              <a:rPr lang="en-US" sz="2094" spc="123">
+                <a:solidFill>
+                  <a:srgbClr val="1C1C1C"/>
+                </a:solidFill>
+                <a:latin typeface="Montserrat"/>
+                <a:ea typeface="Montserrat"/>
+                <a:cs typeface="Montserrat"/>
+                <a:sym typeface="Montserrat"/>
+              </a:rPr>
+              <a:t>The model correctly p</a:t>
+            </a:r>
+            <a:r>
+              <a:rPr lang="en-US" sz="2094" spc="123">
+                <a:solidFill>
+                  <a:srgbClr val="1C1C1C"/>
+                </a:solidFill>
+                <a:latin typeface="Montserrat"/>
+                <a:ea typeface="Montserrat"/>
+                <a:cs typeface="Montserrat"/>
+                <a:sym typeface="Montserrat"/>
+              </a:rPr>
+              <a:t>re</a:t>
+            </a:r>
+            <a:r>
+              <a:rPr lang="en-US" sz="2094" spc="123">
+                <a:solidFill>
+                  <a:srgbClr val="1C1C1C"/>
+                </a:solidFill>
+                <a:latin typeface="Montserrat"/>
+                <a:ea typeface="Montserrat"/>
+                <a:cs typeface="Montserrat"/>
+                <a:sym typeface="Montserrat"/>
+              </a:rPr>
+              <a:t>di</a:t>
+            </a:r>
+            <a:r>
+              <a:rPr lang="en-US" sz="2094" spc="123">
+                <a:solidFill>
+                  <a:srgbClr val="1C1C1C"/>
+                </a:solidFill>
+                <a:latin typeface="Montserrat"/>
+                <a:ea typeface="Montserrat"/>
+                <a:cs typeface="Montserrat"/>
+                <a:sym typeface="Montserrat"/>
+              </a:rPr>
+              <a:t>c</a:t>
+            </a:r>
+            <a:r>
+              <a:rPr lang="en-US" sz="2094" spc="123">
+                <a:solidFill>
+                  <a:srgbClr val="1C1C1C"/>
+                </a:solidFill>
+                <a:latin typeface="Montserrat"/>
+                <a:ea typeface="Montserrat"/>
+                <a:cs typeface="Montserrat"/>
+                <a:sym typeface="Montserrat"/>
+              </a:rPr>
+              <a:t>ted:</a:t>
+            </a:r>
+          </a:p>
+          <a:p>
+            <a:pPr algn="just" marL="452284" indent="-226142" lvl="1">
+              <a:lnSpc>
+                <a:spcPts val="3561"/>
+              </a:lnSpc>
+              <a:buFont typeface="Arial"/>
+              <a:buChar char="•"/>
+            </a:pPr>
+            <a:r>
+              <a:rPr lang="en-US" sz="2094" spc="123">
+                <a:solidFill>
+                  <a:srgbClr val="1C1C1C"/>
+                </a:solidFill>
+                <a:latin typeface="Montserrat"/>
+                <a:ea typeface="Montserrat"/>
+                <a:cs typeface="Montserrat"/>
+                <a:sym typeface="Montserrat"/>
+              </a:rPr>
+              <a:t>30,393 safe borrowers (non-defaulters)</a:t>
+            </a:r>
+          </a:p>
+          <a:p>
+            <a:pPr algn="just" marL="452284" indent="-226142" lvl="1">
+              <a:lnSpc>
+                <a:spcPts val="3561"/>
+              </a:lnSpc>
+              <a:buFont typeface="Arial"/>
+              <a:buChar char="•"/>
+            </a:pPr>
+            <a:r>
+              <a:rPr lang="en-US" sz="2094" spc="123">
+                <a:solidFill>
+                  <a:srgbClr val="1C1C1C"/>
+                </a:solidFill>
+                <a:latin typeface="Montserrat"/>
+                <a:ea typeface="Montserrat"/>
+                <a:cs typeface="Montserrat"/>
+                <a:sym typeface="Montserrat"/>
+              </a:rPr>
+              <a:t>4,150 actual defaulters</a:t>
+            </a:r>
+          </a:p>
+          <a:p>
+            <a:pPr algn="just">
+              <a:lnSpc>
+                <a:spcPts val="3561"/>
+              </a:lnSpc>
+            </a:pPr>
+          </a:p>
+        </p:txBody>
       </p:sp>
     </p:spTree>
   </p:cSld>
@@ -15888,8 +16192,8 @@
         </p:nvSpPr>
         <p:spPr>
           <a:xfrm flipH="false" flipV="false" rot="0">
-            <a:off x="3743236" y="1569283"/>
-            <a:ext cx="12128707" cy="6958846"/>
+            <a:off x="2195388" y="2274944"/>
+            <a:ext cx="13897225" cy="6983356"/>
           </a:xfrm>
           <a:custGeom>
             <a:avLst/>
@@ -15898,18 +16202,18 @@
             <a:cxnLst/>
             <a:rect r="r" b="b" t="t" l="l"/>
             <a:pathLst>
-              <a:path h="6958846" w="12128707">
+              <a:path h="6983356" w="13897225">
                 <a:moveTo>
                   <a:pt x="0" y="0"/>
                 </a:moveTo>
                 <a:lnTo>
-                  <a:pt x="12128707" y="0"/>
-                </a:lnTo>
-                <a:lnTo>
-                  <a:pt x="12128707" y="6958846"/>
-                </a:lnTo>
-                <a:lnTo>
-                  <a:pt x="0" y="6958846"/>
+                  <a:pt x="13897224" y="0"/>
+                </a:lnTo>
+                <a:lnTo>
+                  <a:pt x="13897224" y="6983356"/>
+                </a:lnTo>
+                <a:lnTo>
+                  <a:pt x="0" y="6983356"/>
                 </a:lnTo>
                 <a:lnTo>
                   <a:pt x="0" y="0"/>
